--- a/wham model variations 3M cod.pptx
+++ b/wham model variations 3M cod.pptx
@@ -106,6 +106,11 @@
       </a:defRPr>
     </a:lvl9pPr>
   </p:defaultTextStyle>
+  <p:extLst>
+    <p:ext uri="{EFAFB233-063F-42B5-8137-9DF3F51BA10A}">
+      <p15:sldGuideLst xmlns:p15="http://schemas.microsoft.com/office/powerpoint/2012/main"/>
+    </p:ext>
+  </p:extLst>
 </p:presentation>
 </file>
 
@@ -3909,51 +3914,89 @@
           <a:lstStyle/>
           <a:p>
             <a:r>
-              <a:rPr lang="en-US" dirty="0"/>
-              <a:t>M1: M1S1N1</a:t>
-            </a:r>
-          </a:p>
-          <a:p>
-            <a:r>
-              <a:rPr lang="en-US" dirty="0"/>
-              <a:t>M2: M2S1N1</a:t>
-            </a:r>
-          </a:p>
-          <a:p>
-            <a:r>
-              <a:rPr lang="en-US" dirty="0"/>
-              <a:t>M3: M2S2N1</a:t>
-            </a:r>
-          </a:p>
-          <a:p>
-            <a:r>
-              <a:rPr lang="en-US" dirty="0"/>
-              <a:t>M4:</a:t>
-            </a:r>
-          </a:p>
-          <a:p>
-            <a:r>
-              <a:rPr lang="en-US" dirty="0"/>
-              <a:t>M3: M3S3N2</a:t>
-            </a:r>
-          </a:p>
-          <a:p>
-            <a:r>
-              <a:rPr lang="en-US" dirty="0"/>
-              <a:t>M4: M4S2N1</a:t>
-            </a:r>
-          </a:p>
-          <a:p>
-            <a:r>
-              <a:rPr lang="en-US" dirty="0"/>
-              <a:t>M5: M4S2N2</a:t>
-            </a:r>
-          </a:p>
-          <a:p>
-            <a:r>
-              <a:rPr lang="en-US" dirty="0"/>
-              <a:t>M6: M4S3N2</a:t>
-            </a:r>
+              <a:rPr lang="en-US" sz="1800" dirty="0"/>
+              <a:t>M1: M1S1N1 -  Constant M – 0.2; Fleet (Age-specific 2dar1), index (age-specific set to 1 for age 6), N </a:t>
+            </a:r>
+            <a:r>
+              <a:rPr lang="en-US" sz="1800" dirty="0" err="1"/>
+              <a:t>iid</a:t>
+            </a:r>
+            <a:endParaRPr lang="en-US" sz="1800" dirty="0"/>
+          </a:p>
+          <a:p>
+            <a:r>
+              <a:rPr lang="en-US" sz="1800" dirty="0"/>
+              <a:t>M2: M2S1N1 – Constant SCAA output, Fleet (Age-specific 2dar1), index (age-specific set to 1 for age 6), N </a:t>
+            </a:r>
+            <a:r>
+              <a:rPr lang="en-US" sz="1800" dirty="0" err="1"/>
+              <a:t>iid</a:t>
+            </a:r>
+            <a:endParaRPr lang="en-US" sz="1800" dirty="0"/>
+          </a:p>
+          <a:p>
+            <a:r>
+              <a:rPr lang="en-US" sz="1800" dirty="0"/>
+              <a:t>M3: M2S2N1 – Constant SCAA output, Fleet (Age-specific 2dar1), index (logistic); N </a:t>
+            </a:r>
+            <a:r>
+              <a:rPr lang="en-US" sz="1800" dirty="0" err="1"/>
+              <a:t>iid</a:t>
+            </a:r>
+            <a:endParaRPr lang="en-US" sz="1800" dirty="0"/>
+          </a:p>
+          <a:p>
+            <a:r>
+              <a:rPr lang="en-US" sz="1800" dirty="0"/>
+              <a:t>M4: M2S3N1 - Constant SCAA output, Fleet (Age-specific 2dar1 age 5 set to 1) index (logistic); N </a:t>
+            </a:r>
+            <a:r>
+              <a:rPr lang="en-US" sz="1800" dirty="0" err="1"/>
+              <a:t>iid</a:t>
+            </a:r>
+            <a:endParaRPr lang="en-US" sz="1800" dirty="0"/>
+          </a:p>
+          <a:p>
+            <a:endParaRPr lang="en-US" sz="1800" dirty="0"/>
+          </a:p>
+          <a:p>
+            <a:r>
+              <a:rPr lang="en-US" sz="1800" dirty="0"/>
+              <a:t>M5: M3S3N2 – Estimated M (ar1a); Fleet (Age-specific 2dar1), index (logistic); N </a:t>
+            </a:r>
+            <a:r>
+              <a:rPr lang="en-US" sz="1800" dirty="0" err="1"/>
+              <a:t>iid</a:t>
+            </a:r>
+            <a:endParaRPr lang="en-US" sz="1800" dirty="0"/>
+          </a:p>
+          <a:p>
+            <a:r>
+              <a:rPr lang="en-US" sz="1800" dirty="0"/>
+              <a:t>M6: M4S2N1 - Estimated M (Lorenzen); Fleet (Age-specific 2dar1), index (logistic); N </a:t>
+            </a:r>
+            <a:r>
+              <a:rPr lang="en-US" sz="1800" dirty="0" err="1"/>
+              <a:t>iid</a:t>
+            </a:r>
+            <a:endParaRPr lang="en-US" sz="1800" dirty="0"/>
+          </a:p>
+          <a:p>
+            <a:r>
+              <a:rPr lang="en-US" sz="1800" dirty="0"/>
+              <a:t>M7: M4S2N2 - Estimated M (Lorenzen); Fleet (Age-specific 2dar1), index (logistic); </a:t>
+            </a:r>
+            <a:r>
+              <a:rPr lang="en-US" sz="1800"/>
+              <a:t>N 2dar1</a:t>
+            </a:r>
+            <a:endParaRPr lang="en-US" sz="1800" dirty="0"/>
+          </a:p>
+          <a:p>
+            <a:pPr marL="0" indent="0">
+              <a:buNone/>
+            </a:pPr>
+            <a:endParaRPr lang="en-US" sz="1800" dirty="0"/>
           </a:p>
         </p:txBody>
       </p:sp>
